--- a/Presentation1.pptx
+++ b/Presentation1.pptx
@@ -3933,6 +3933,13 @@
         </dgm:presLayoutVars>
       </dgm:prSet>
       <dgm:spPr/>
+      <dgm:t>
+        <a:bodyPr/>
+        <a:lstStyle/>
+        <a:p>
+          <a:endParaRPr lang="en-US"/>
+        </a:p>
+      </dgm:t>
     </dgm:pt>
     <dgm:pt modelId="{0BFD9942-30DE-4512-AF2E-A615FD23BA5A}" type="pres">
       <dgm:prSet presAssocID="{08D9541B-06C6-4EDC-9536-711D06CF7ED3}" presName="composite" presStyleCnt="0"/>
@@ -3983,6 +3990,13 @@
     <dgm:pt modelId="{C24DC78A-66EE-4A72-BEC3-C75BE2A49671}" type="pres">
       <dgm:prSet presAssocID="{AB4B138A-4221-4CDB-8F93-EBBBC949D639}" presName="Accent1Text" presStyleLbl="node1" presStyleIdx="1" presStyleCnt="12"/>
       <dgm:spPr/>
+      <dgm:t>
+        <a:bodyPr/>
+        <a:lstStyle/>
+        <a:p>
+          <a:endParaRPr lang="en-US"/>
+        </a:p>
+      </dgm:t>
     </dgm:pt>
     <dgm:pt modelId="{08EAA508-7990-468F-AB70-5675B29F6F6B}" type="pres">
       <dgm:prSet presAssocID="{AB4B138A-4221-4CDB-8F93-EBBBC949D639}" presName="spaceBetweenRectangles" presStyleCnt="0"/>
@@ -4037,6 +4051,13 @@
     <dgm:pt modelId="{93999D33-1531-40C9-8150-E1F0CD6DC0D3}" type="pres">
       <dgm:prSet presAssocID="{F49C41D5-B1DB-4E4D-98E8-3F41AAEA30DC}" presName="Accent1Text" presStyleLbl="node1" presStyleIdx="3" presStyleCnt="12"/>
       <dgm:spPr/>
+      <dgm:t>
+        <a:bodyPr/>
+        <a:lstStyle/>
+        <a:p>
+          <a:endParaRPr lang="en-US"/>
+        </a:p>
+      </dgm:t>
     </dgm:pt>
     <dgm:pt modelId="{9D53EB63-27EB-471C-AFE3-D443531C6D71}" type="pres">
       <dgm:prSet presAssocID="{F49C41D5-B1DB-4E4D-98E8-3F41AAEA30DC}" presName="spaceBetweenRectangles" presStyleCnt="0"/>
@@ -4084,6 +4105,13 @@
     <dgm:pt modelId="{6215383C-8C52-4CDA-B2AE-32A1EE11095F}" type="pres">
       <dgm:prSet presAssocID="{A0D84C82-B349-4954-B43B-CB7B4A814A66}" presName="Accent1Text" presStyleLbl="node1" presStyleIdx="5" presStyleCnt="12"/>
       <dgm:spPr/>
+      <dgm:t>
+        <a:bodyPr/>
+        <a:lstStyle/>
+        <a:p>
+          <a:endParaRPr lang="en-US"/>
+        </a:p>
+      </dgm:t>
     </dgm:pt>
     <dgm:pt modelId="{08EDD5C9-223E-4393-BB1B-D51F7E37496B}" type="pres">
       <dgm:prSet presAssocID="{A0D84C82-B349-4954-B43B-CB7B4A814A66}" presName="spaceBetweenRectangles" presStyleCnt="0"/>
@@ -4131,6 +4159,13 @@
     <dgm:pt modelId="{0E2D5C4F-E1A1-41B9-9483-921E09E29694}" type="pres">
       <dgm:prSet presAssocID="{AE5CA6A1-3C0B-45C0-B3F3-FCDAD0763D87}" presName="Accent1Text" presStyleLbl="node1" presStyleIdx="7" presStyleCnt="12"/>
       <dgm:spPr/>
+      <dgm:t>
+        <a:bodyPr/>
+        <a:lstStyle/>
+        <a:p>
+          <a:endParaRPr lang="en-US"/>
+        </a:p>
+      </dgm:t>
     </dgm:pt>
     <dgm:pt modelId="{4DB36BE1-3D6A-4C6E-A5AA-296E435AC7D2}" type="pres">
       <dgm:prSet presAssocID="{AE5CA6A1-3C0B-45C0-B3F3-FCDAD0763D87}" presName="spaceBetweenRectangles" presStyleCnt="0"/>
@@ -4178,6 +4213,13 @@
     <dgm:pt modelId="{4C4FEF18-52A2-4486-AA01-CA538D08E0F4}" type="pres">
       <dgm:prSet presAssocID="{6B88E6CC-ADFC-41C3-88CF-B362CE18EFF6}" presName="Accent1Text" presStyleLbl="node1" presStyleIdx="9" presStyleCnt="12"/>
       <dgm:spPr/>
+      <dgm:t>
+        <a:bodyPr/>
+        <a:lstStyle/>
+        <a:p>
+          <a:endParaRPr lang="en-US"/>
+        </a:p>
+      </dgm:t>
     </dgm:pt>
     <dgm:pt modelId="{FB800CA8-62E6-4D6C-8823-DA2E8FD6AEEC}" type="pres">
       <dgm:prSet presAssocID="{6B88E6CC-ADFC-41C3-88CF-B362CE18EFF6}" presName="spaceBetweenRectangles" presStyleCnt="0"/>
@@ -4225,28 +4267,35 @@
     <dgm:pt modelId="{1DE2AD92-E4C8-4567-A57E-955630A3AD68}" type="pres">
       <dgm:prSet presAssocID="{78D1AB85-9302-4BDB-9C65-F769D4459F96}" presName="Accent1Text" presStyleLbl="node1" presStyleIdx="11" presStyleCnt="12"/>
       <dgm:spPr/>
+      <dgm:t>
+        <a:bodyPr/>
+        <a:lstStyle/>
+        <a:p>
+          <a:endParaRPr lang="en-US"/>
+        </a:p>
+      </dgm:t>
     </dgm:pt>
   </dgm:ptLst>
   <dgm:cxnLst>
+    <dgm:cxn modelId="{E0C6A4F0-87F1-4CE9-9DA0-7A847FC981FD}" srcId="{AF10B6F8-7CB1-4F53-B034-07EB8CEF2958}" destId="{71C8F802-8206-4DA0-8C97-CD3A43997E2E}" srcOrd="5" destOrd="0" parTransId="{140E1767-999A-4870-BC6E-3004D4DF5C06}" sibTransId="{78D1AB85-9302-4BDB-9C65-F769D4459F96}"/>
+    <dgm:cxn modelId="{0A56EAB5-1309-4A23-A7A0-EB2054A36DE0}" type="presOf" srcId="{71C8F802-8206-4DA0-8C97-CD3A43997E2E}" destId="{AE968C70-A25B-414F-8548-BC6805C86DC9}" srcOrd="0" destOrd="0" presId="urn:microsoft.com/office/officeart/2008/layout/AlternatingHexagons"/>
+    <dgm:cxn modelId="{3567BA82-4ED3-4C65-8888-A6BD2EB59A88}" type="presOf" srcId="{78D1AB85-9302-4BDB-9C65-F769D4459F96}" destId="{1DE2AD92-E4C8-4567-A57E-955630A3AD68}" srcOrd="0" destOrd="0" presId="urn:microsoft.com/office/officeart/2008/layout/AlternatingHexagons"/>
+    <dgm:cxn modelId="{5AAF3DE9-8BCD-459F-BC11-46CF8E22D364}" type="presOf" srcId="{C4B5B04F-2C51-4922-89E5-707DFF7A3B8B}" destId="{5B8FD6DE-A459-42C9-8C8C-121A3ED4B1B8}" srcOrd="0" destOrd="0" presId="urn:microsoft.com/office/officeart/2008/layout/AlternatingHexagons"/>
+    <dgm:cxn modelId="{E0C7F98B-883F-4A73-8B35-8EDA85B25070}" type="presOf" srcId="{AF10B6F8-7CB1-4F53-B034-07EB8CEF2958}" destId="{77112B59-B2CE-4590-AA04-46FD6290889C}" srcOrd="0" destOrd="0" presId="urn:microsoft.com/office/officeart/2008/layout/AlternatingHexagons"/>
+    <dgm:cxn modelId="{1C9D00C0-8677-430C-97BB-FBAFCB8C8B91}" type="presOf" srcId="{02B7E7EF-5E8C-4DFE-83A7-7A88A9547E5E}" destId="{6463D528-73E1-41B2-9586-106E31A9A8AC}" srcOrd="0" destOrd="0" presId="urn:microsoft.com/office/officeart/2008/layout/AlternatingHexagons"/>
+    <dgm:cxn modelId="{7257BBE4-A2FB-46EC-8C74-BD74105F4A8C}" srcId="{AF10B6F8-7CB1-4F53-B034-07EB8CEF2958}" destId="{44A16E16-619D-455D-A8C3-5DE655FF41F6}" srcOrd="3" destOrd="0" parTransId="{E4619E4C-16FA-4313-9D74-5E588C9DB223}" sibTransId="{AE5CA6A1-3C0B-45C0-B3F3-FCDAD0763D87}"/>
+    <dgm:cxn modelId="{E540E1E7-0EAF-4959-8357-7A1D003B0995}" type="presOf" srcId="{5EBA72B1-B585-4713-9E36-6D9CCC255375}" destId="{186A0917-B540-49DA-A14E-A018588651D9}" srcOrd="0" destOrd="0" presId="urn:microsoft.com/office/officeart/2008/layout/AlternatingHexagons"/>
+    <dgm:cxn modelId="{71DE1806-EEFF-4594-8C71-D58247713F8C}" srcId="{AF10B6F8-7CB1-4F53-B034-07EB8CEF2958}" destId="{02B7E7EF-5E8C-4DFE-83A7-7A88A9547E5E}" srcOrd="2" destOrd="0" parTransId="{0B73B321-C2B5-41F7-883D-D230A1FC724B}" sibTransId="{A0D84C82-B349-4954-B43B-CB7B4A814A66}"/>
     <dgm:cxn modelId="{3411FDD3-73EE-47D5-87F7-7DDAB5143F47}" type="presOf" srcId="{F49C41D5-B1DB-4E4D-98E8-3F41AAEA30DC}" destId="{93999D33-1531-40C9-8150-E1F0CD6DC0D3}" srcOrd="0" destOrd="0" presId="urn:microsoft.com/office/officeart/2008/layout/AlternatingHexagons"/>
-    <dgm:cxn modelId="{E540E1E7-0EAF-4959-8357-7A1D003B0995}" type="presOf" srcId="{5EBA72B1-B585-4713-9E36-6D9CCC255375}" destId="{186A0917-B540-49DA-A14E-A018588651D9}" srcOrd="0" destOrd="0" presId="urn:microsoft.com/office/officeart/2008/layout/AlternatingHexagons"/>
+    <dgm:cxn modelId="{3BA1787E-1A63-498A-94E8-8E2121B53D01}" srcId="{AF10B6F8-7CB1-4F53-B034-07EB8CEF2958}" destId="{5EBA72B1-B585-4713-9E36-6D9CCC255375}" srcOrd="4" destOrd="0" parTransId="{6B007541-2006-4B5B-BBA3-57B4CCEA2F0F}" sibTransId="{6B88E6CC-ADFC-41C3-88CF-B362CE18EFF6}"/>
     <dgm:cxn modelId="{9E0D9468-DF17-41A5-BF2A-953F8147DB4D}" type="presOf" srcId="{44A16E16-619D-455D-A8C3-5DE655FF41F6}" destId="{BFA5C7D8-4542-4EB4-8E28-509675C00802}" srcOrd="0" destOrd="0" presId="urn:microsoft.com/office/officeart/2008/layout/AlternatingHexagons"/>
-    <dgm:cxn modelId="{15AFFB61-D811-409E-A058-90C9DC8CCFCA}" srcId="{AF10B6F8-7CB1-4F53-B034-07EB8CEF2958}" destId="{08D9541B-06C6-4EDC-9536-711D06CF7ED3}" srcOrd="0" destOrd="0" parTransId="{4CB24C78-8099-4756-AE1A-A44BED01F81E}" sibTransId="{AB4B138A-4221-4CDB-8F93-EBBBC949D639}"/>
     <dgm:cxn modelId="{B76652A4-159C-46D3-A69E-4F54F8926A21}" type="presOf" srcId="{6B88E6CC-ADFC-41C3-88CF-B362CE18EFF6}" destId="{4C4FEF18-52A2-4486-AA01-CA538D08E0F4}" srcOrd="0" destOrd="0" presId="urn:microsoft.com/office/officeart/2008/layout/AlternatingHexagons"/>
-    <dgm:cxn modelId="{20F2C9C6-BC19-46ED-96AD-1BBA0CB0954E}" srcId="{AF10B6F8-7CB1-4F53-B034-07EB8CEF2958}" destId="{C4B5B04F-2C51-4922-89E5-707DFF7A3B8B}" srcOrd="1" destOrd="0" parTransId="{AF0F05EA-89D5-4B09-BF4D-DDEC996B2756}" sibTransId="{F49C41D5-B1DB-4E4D-98E8-3F41AAEA30DC}"/>
     <dgm:cxn modelId="{DF288D28-368A-4A1B-9B83-559261EDCFF1}" type="presOf" srcId="{A0D84C82-B349-4954-B43B-CB7B4A814A66}" destId="{6215383C-8C52-4CDA-B2AE-32A1EE11095F}" srcOrd="0" destOrd="0" presId="urn:microsoft.com/office/officeart/2008/layout/AlternatingHexagons"/>
-    <dgm:cxn modelId="{7257BBE4-A2FB-46EC-8C74-BD74105F4A8C}" srcId="{AF10B6F8-7CB1-4F53-B034-07EB8CEF2958}" destId="{44A16E16-619D-455D-A8C3-5DE655FF41F6}" srcOrd="3" destOrd="0" parTransId="{E4619E4C-16FA-4313-9D74-5E588C9DB223}" sibTransId="{AE5CA6A1-3C0B-45C0-B3F3-FCDAD0763D87}"/>
-    <dgm:cxn modelId="{0A56EAB5-1309-4A23-A7A0-EB2054A36DE0}" type="presOf" srcId="{71C8F802-8206-4DA0-8C97-CD3A43997E2E}" destId="{AE968C70-A25B-414F-8548-BC6805C86DC9}" srcOrd="0" destOrd="0" presId="urn:microsoft.com/office/officeart/2008/layout/AlternatingHexagons"/>
-    <dgm:cxn modelId="{1C9D00C0-8677-430C-97BB-FBAFCB8C8B91}" type="presOf" srcId="{02B7E7EF-5E8C-4DFE-83A7-7A88A9547E5E}" destId="{6463D528-73E1-41B2-9586-106E31A9A8AC}" srcOrd="0" destOrd="0" presId="urn:microsoft.com/office/officeart/2008/layout/AlternatingHexagons"/>
-    <dgm:cxn modelId="{E0C7F98B-883F-4A73-8B35-8EDA85B25070}" type="presOf" srcId="{AF10B6F8-7CB1-4F53-B034-07EB8CEF2958}" destId="{77112B59-B2CE-4590-AA04-46FD6290889C}" srcOrd="0" destOrd="0" presId="urn:microsoft.com/office/officeart/2008/layout/AlternatingHexagons"/>
-    <dgm:cxn modelId="{3567BA82-4ED3-4C65-8888-A6BD2EB59A88}" type="presOf" srcId="{78D1AB85-9302-4BDB-9C65-F769D4459F96}" destId="{1DE2AD92-E4C8-4567-A57E-955630A3AD68}" srcOrd="0" destOrd="0" presId="urn:microsoft.com/office/officeart/2008/layout/AlternatingHexagons"/>
-    <dgm:cxn modelId="{E0C6A4F0-87F1-4CE9-9DA0-7A847FC981FD}" srcId="{AF10B6F8-7CB1-4F53-B034-07EB8CEF2958}" destId="{71C8F802-8206-4DA0-8C97-CD3A43997E2E}" srcOrd="5" destOrd="0" parTransId="{140E1767-999A-4870-BC6E-3004D4DF5C06}" sibTransId="{78D1AB85-9302-4BDB-9C65-F769D4459F96}"/>
-    <dgm:cxn modelId="{5AAF3DE9-8BCD-459F-BC11-46CF8E22D364}" type="presOf" srcId="{C4B5B04F-2C51-4922-89E5-707DFF7A3B8B}" destId="{5B8FD6DE-A459-42C9-8C8C-121A3ED4B1B8}" srcOrd="0" destOrd="0" presId="urn:microsoft.com/office/officeart/2008/layout/AlternatingHexagons"/>
-    <dgm:cxn modelId="{A68AC6B8-47D2-4361-B1D0-6577CB411FBB}" type="presOf" srcId="{AB4B138A-4221-4CDB-8F93-EBBBC949D639}" destId="{C24DC78A-66EE-4A72-BEC3-C75BE2A49671}" srcOrd="0" destOrd="0" presId="urn:microsoft.com/office/officeart/2008/layout/AlternatingHexagons"/>
-    <dgm:cxn modelId="{3BA1787E-1A63-498A-94E8-8E2121B53D01}" srcId="{AF10B6F8-7CB1-4F53-B034-07EB8CEF2958}" destId="{5EBA72B1-B585-4713-9E36-6D9CCC255375}" srcOrd="4" destOrd="0" parTransId="{6B007541-2006-4B5B-BBA3-57B4CCEA2F0F}" sibTransId="{6B88E6CC-ADFC-41C3-88CF-B362CE18EFF6}"/>
     <dgm:cxn modelId="{6B62857D-CA02-4804-A891-D7A77B08F514}" type="presOf" srcId="{08D9541B-06C6-4EDC-9536-711D06CF7ED3}" destId="{09082E00-0321-47CC-9B76-5CDE6F7F3D33}" srcOrd="0" destOrd="0" presId="urn:microsoft.com/office/officeart/2008/layout/AlternatingHexagons"/>
     <dgm:cxn modelId="{B0BF2E0C-467E-4B59-8191-6D2212FCA9AA}" type="presOf" srcId="{AE5CA6A1-3C0B-45C0-B3F3-FCDAD0763D87}" destId="{0E2D5C4F-E1A1-41B9-9483-921E09E29694}" srcOrd="0" destOrd="0" presId="urn:microsoft.com/office/officeart/2008/layout/AlternatingHexagons"/>
-    <dgm:cxn modelId="{71DE1806-EEFF-4594-8C71-D58247713F8C}" srcId="{AF10B6F8-7CB1-4F53-B034-07EB8CEF2958}" destId="{02B7E7EF-5E8C-4DFE-83A7-7A88A9547E5E}" srcOrd="2" destOrd="0" parTransId="{0B73B321-C2B5-41F7-883D-D230A1FC724B}" sibTransId="{A0D84C82-B349-4954-B43B-CB7B4A814A66}"/>
+    <dgm:cxn modelId="{20F2C9C6-BC19-46ED-96AD-1BBA0CB0954E}" srcId="{AF10B6F8-7CB1-4F53-B034-07EB8CEF2958}" destId="{C4B5B04F-2C51-4922-89E5-707DFF7A3B8B}" srcOrd="1" destOrd="0" parTransId="{AF0F05EA-89D5-4B09-BF4D-DDEC996B2756}" sibTransId="{F49C41D5-B1DB-4E4D-98E8-3F41AAEA30DC}"/>
+    <dgm:cxn modelId="{15AFFB61-D811-409E-A058-90C9DC8CCFCA}" srcId="{AF10B6F8-7CB1-4F53-B034-07EB8CEF2958}" destId="{08D9541B-06C6-4EDC-9536-711D06CF7ED3}" srcOrd="0" destOrd="0" parTransId="{4CB24C78-8099-4756-AE1A-A44BED01F81E}" sibTransId="{AB4B138A-4221-4CDB-8F93-EBBBC949D639}"/>
+    <dgm:cxn modelId="{A68AC6B8-47D2-4361-B1D0-6577CB411FBB}" type="presOf" srcId="{AB4B138A-4221-4CDB-8F93-EBBBC949D639}" destId="{C24DC78A-66EE-4A72-BEC3-C75BE2A49671}" srcOrd="0" destOrd="0" presId="urn:microsoft.com/office/officeart/2008/layout/AlternatingHexagons"/>
     <dgm:cxn modelId="{E4C47F55-BB27-4BF0-82F0-E90CD086E839}" type="presParOf" srcId="{77112B59-B2CE-4590-AA04-46FD6290889C}" destId="{0BFD9942-30DE-4512-AF2E-A615FD23BA5A}" srcOrd="0" destOrd="0" presId="urn:microsoft.com/office/officeart/2008/layout/AlternatingHexagons"/>
     <dgm:cxn modelId="{14C8E603-8CFF-4B99-908B-711827B99594}" type="presParOf" srcId="{0BFD9942-30DE-4512-AF2E-A615FD23BA5A}" destId="{09082E00-0321-47CC-9B76-5CDE6F7F3D33}" srcOrd="0" destOrd="0" presId="urn:microsoft.com/office/officeart/2008/layout/AlternatingHexagons"/>
     <dgm:cxn modelId="{7F668D57-8DB9-49DC-9E71-D4923719D2C3}" type="presParOf" srcId="{0BFD9942-30DE-4512-AF2E-A615FD23BA5A}" destId="{FCF0D5B0-3C2E-48B8-8F82-A5F1C2BD8043}" srcOrd="1" destOrd="0" presId="urn:microsoft.com/office/officeart/2008/layout/AlternatingHexagons"/>
@@ -5062,6 +5111,13 @@
         </dgm:presLayoutVars>
       </dgm:prSet>
       <dgm:spPr/>
+      <dgm:t>
+        <a:bodyPr/>
+        <a:lstStyle/>
+        <a:p>
+          <a:endParaRPr lang="en-US"/>
+        </a:p>
+      </dgm:t>
     </dgm:pt>
     <dgm:pt modelId="{744AAAF6-5F23-4E77-B970-F267EEAEC582}" type="pres">
       <dgm:prSet presAssocID="{68AF3637-F3FC-4C3F-8CFD-93465E1D6DE6}" presName="composite" presStyleCnt="0"/>
@@ -5075,6 +5131,13 @@
         </dgm:presLayoutVars>
       </dgm:prSet>
       <dgm:spPr/>
+      <dgm:t>
+        <a:bodyPr/>
+        <a:lstStyle/>
+        <a:p>
+          <a:endParaRPr lang="en-US"/>
+        </a:p>
+      </dgm:t>
     </dgm:pt>
     <dgm:pt modelId="{24C47A1F-0336-41E6-AC59-68D8076EC69D}" type="pres">
       <dgm:prSet presAssocID="{68AF3637-F3FC-4C3F-8CFD-93465E1D6DE6}" presName="descendantText" presStyleLbl="alignAcc1" presStyleIdx="0" presStyleCnt="5" custLinFactNeighborX="-47" custLinFactNeighborY="-42">
@@ -5107,6 +5170,13 @@
         </dgm:presLayoutVars>
       </dgm:prSet>
       <dgm:spPr/>
+      <dgm:t>
+        <a:bodyPr/>
+        <a:lstStyle/>
+        <a:p>
+          <a:endParaRPr lang="en-US"/>
+        </a:p>
+      </dgm:t>
     </dgm:pt>
     <dgm:pt modelId="{30EB18B4-33D3-49B8-9BBE-F1B77C4709F4}" type="pres">
       <dgm:prSet presAssocID="{AFEC564E-FA2D-4B0A-8409-0FA30DCE7896}" presName="descendantText" presStyleLbl="alignAcc1" presStyleIdx="1" presStyleCnt="5">
@@ -5178,6 +5248,13 @@
         </dgm:presLayoutVars>
       </dgm:prSet>
       <dgm:spPr/>
+      <dgm:t>
+        <a:bodyPr/>
+        <a:lstStyle/>
+        <a:p>
+          <a:endParaRPr lang="en-US"/>
+        </a:p>
+      </dgm:t>
     </dgm:pt>
     <dgm:pt modelId="{AAA4C75F-543D-453A-8CE4-EFC8635D1E82}" type="pres">
       <dgm:prSet presAssocID="{54C46D31-B9E9-4458-B819-765B5430047E}" presName="descendantText" presStyleLbl="alignAcc1" presStyleIdx="3" presStyleCnt="5">
@@ -5210,6 +5287,13 @@
         </dgm:presLayoutVars>
       </dgm:prSet>
       <dgm:spPr/>
+      <dgm:t>
+        <a:bodyPr/>
+        <a:lstStyle/>
+        <a:p>
+          <a:endParaRPr lang="en-US"/>
+        </a:p>
+      </dgm:t>
     </dgm:pt>
     <dgm:pt modelId="{533F11B9-B2FE-4926-B9B9-C26541DF8EA5}" type="pres">
       <dgm:prSet presAssocID="{2DCE010C-226D-44D8-9945-035FCB3EC84A}" presName="descendantText" presStyleLbl="alignAcc1" presStyleIdx="4" presStyleCnt="5">
@@ -5232,16 +5316,16 @@
     <dgm:cxn modelId="{2C234467-5A33-4476-93BC-A32CF7B2D0C5}" type="presOf" srcId="{8B8D9D14-557E-42A5-8ED5-A2DA372F00AD}" destId="{4F26B338-5A80-43F7-8F99-75CB0CB1461E}" srcOrd="0" destOrd="0" presId="urn:microsoft.com/office/officeart/2005/8/layout/chevron2"/>
     <dgm:cxn modelId="{7AF1AD20-43CC-4F90-8E0C-DDD69DBB0D78}" srcId="{AFEC564E-FA2D-4B0A-8409-0FA30DCE7896}" destId="{B9F17F51-4E13-4924-A184-6981EB61E4C0}" srcOrd="0" destOrd="0" parTransId="{7FE1E37C-3B25-4C47-A9B5-DA7D4D4E7859}" sibTransId="{28374457-390D-41E3-81C8-791C08CCC1FB}"/>
     <dgm:cxn modelId="{3092B54F-0F56-46E2-894A-102DB55FF51A}" srcId="{8B8D9D14-557E-42A5-8ED5-A2DA372F00AD}" destId="{2D4BB20A-6C15-4745-A2EE-A5A0833EEB23}" srcOrd="2" destOrd="0" parTransId="{D92A2286-1CC4-46BB-9AFE-D4F758E32B95}" sibTransId="{8318D903-BAB8-446F-A879-A02D8CD504CA}"/>
+    <dgm:cxn modelId="{9DEEFD71-6E71-4733-A111-72F52D42188D}" srcId="{54C46D31-B9E9-4458-B819-765B5430047E}" destId="{AEA63722-EA35-4587-8303-21B39AC3AAA3}" srcOrd="0" destOrd="0" parTransId="{B904A3E5-EF7F-4BB6-B333-F8D9E3C2E9AF}" sibTransId="{4AD045E4-A5C5-46D7-9164-E0CB53E71267}"/>
     <dgm:cxn modelId="{3EBC21FC-72B0-40E6-BB87-8794F67514BF}" type="presOf" srcId="{2D7ED7E3-E569-4C6F-8EFC-8FF14A805CB4}" destId="{49F0FAD2-1CDE-4BB3-92D5-CC794A1F47AA}" srcOrd="0" destOrd="0" presId="urn:microsoft.com/office/officeart/2005/8/layout/chevron2"/>
-    <dgm:cxn modelId="{9DEEFD71-6E71-4733-A111-72F52D42188D}" srcId="{54C46D31-B9E9-4458-B819-765B5430047E}" destId="{AEA63722-EA35-4587-8303-21B39AC3AAA3}" srcOrd="0" destOrd="0" parTransId="{B904A3E5-EF7F-4BB6-B333-F8D9E3C2E9AF}" sibTransId="{4AD045E4-A5C5-46D7-9164-E0CB53E71267}"/>
     <dgm:cxn modelId="{863D15AA-224B-4536-BFA3-4DDA9A3A1886}" srcId="{2DCE010C-226D-44D8-9945-035FCB3EC84A}" destId="{5C0FF0FC-D5BE-4A89-B707-89A2176BDBA4}" srcOrd="0" destOrd="0" parTransId="{A8112961-DED3-45CD-91AF-1C32C432E9EC}" sibTransId="{16C8ABE5-53FB-4793-850F-DA461E798714}"/>
     <dgm:cxn modelId="{56163586-D54A-4603-8EA0-123A1887973D}" type="presOf" srcId="{B9F17F51-4E13-4924-A184-6981EB61E4C0}" destId="{30EB18B4-33D3-49B8-9BBE-F1B77C4709F4}" srcOrd="0" destOrd="0" presId="urn:microsoft.com/office/officeart/2005/8/layout/chevron2"/>
     <dgm:cxn modelId="{68357249-0975-48D8-A517-0F2D859DCB37}" type="presOf" srcId="{AEA63722-EA35-4587-8303-21B39AC3AAA3}" destId="{AAA4C75F-543D-453A-8CE4-EFC8635D1E82}" srcOrd="0" destOrd="0" presId="urn:microsoft.com/office/officeart/2005/8/layout/chevron2"/>
     <dgm:cxn modelId="{22F73BF3-29A1-4422-8D17-8062626EEB66}" srcId="{8B8D9D14-557E-42A5-8ED5-A2DA372F00AD}" destId="{2DCE010C-226D-44D8-9945-035FCB3EC84A}" srcOrd="4" destOrd="0" parTransId="{E62B4A63-1C6F-433F-83F3-8A32A43F736E}" sibTransId="{AC82D929-ACB9-4372-BC98-5A5D0832255C}"/>
     <dgm:cxn modelId="{95A24C39-492A-4FE5-8594-0C1598AEDCA0}" type="presOf" srcId="{78571683-8264-4B35-9CE1-841B692E0316}" destId="{24C47A1F-0336-41E6-AC59-68D8076EC69D}" srcOrd="0" destOrd="0" presId="urn:microsoft.com/office/officeart/2005/8/layout/chevron2"/>
     <dgm:cxn modelId="{AFD0AA38-A74D-4334-B940-055DCFE8BC13}" srcId="{8B8D9D14-557E-42A5-8ED5-A2DA372F00AD}" destId="{54C46D31-B9E9-4458-B819-765B5430047E}" srcOrd="3" destOrd="0" parTransId="{71F38D18-F875-4D25-A13F-B001415F94C7}" sibTransId="{79E9A0B2-E06D-4B67-8933-356307D3C01B}"/>
+    <dgm:cxn modelId="{C5EB1160-18C1-473F-8D49-AB2C3D8DF39C}" srcId="{8B8D9D14-557E-42A5-8ED5-A2DA372F00AD}" destId="{AFEC564E-FA2D-4B0A-8409-0FA30DCE7896}" srcOrd="1" destOrd="0" parTransId="{CEAFF3C6-3CC7-4BE0-BF7F-570801CD855C}" sibTransId="{465E325C-77D3-46BE-9229-45879EDF3B35}"/>
     <dgm:cxn modelId="{47A79174-E191-4DC9-915C-AD75EBE833F3}" type="presOf" srcId="{2DCE010C-226D-44D8-9945-035FCB3EC84A}" destId="{D4AE444C-D53E-4F21-91D5-C44065F5ABFE}" srcOrd="0" destOrd="0" presId="urn:microsoft.com/office/officeart/2005/8/layout/chevron2"/>
-    <dgm:cxn modelId="{C5EB1160-18C1-473F-8D49-AB2C3D8DF39C}" srcId="{8B8D9D14-557E-42A5-8ED5-A2DA372F00AD}" destId="{AFEC564E-FA2D-4B0A-8409-0FA30DCE7896}" srcOrd="1" destOrd="0" parTransId="{CEAFF3C6-3CC7-4BE0-BF7F-570801CD855C}" sibTransId="{465E325C-77D3-46BE-9229-45879EDF3B35}"/>
     <dgm:cxn modelId="{5CD6476B-E859-4C5D-AAF4-E8BC6014B0AA}" type="presOf" srcId="{54C46D31-B9E9-4458-B819-765B5430047E}" destId="{4C3C4EDD-3442-4C78-80D4-2A619257B867}" srcOrd="0" destOrd="0" presId="urn:microsoft.com/office/officeart/2005/8/layout/chevron2"/>
     <dgm:cxn modelId="{425D5AAA-47AE-4FEE-9901-857AEEC4E0B5}" srcId="{2D4BB20A-6C15-4745-A2EE-A5A0833EEB23}" destId="{2D7ED7E3-E569-4C6F-8EFC-8FF14A805CB4}" srcOrd="0" destOrd="0" parTransId="{48E22BBF-4EC7-43C4-A69C-B69C48D2FBCF}" sibTransId="{F32F6BD4-074E-4F36-85DE-6DAC10F51E0A}"/>
     <dgm:cxn modelId="{569D428B-70C7-40F5-9132-56EE1CA15AAC}" type="presOf" srcId="{AFEC564E-FA2D-4B0A-8409-0FA30DCE7896}" destId="{18042AF8-3E24-4BCE-B5B1-9345880EC4DA}" srcOrd="0" destOrd="0" presId="urn:microsoft.com/office/officeart/2005/8/layout/chevron2"/>
@@ -5680,6 +5764,13 @@
     <dgm:pt modelId="{117D0A16-07FC-4061-9412-E8F14F3B6085}" type="pres">
       <dgm:prSet presAssocID="{EB419183-4A75-4A2B-87ED-0203D9DD419F}" presName="pyramid" presStyleLbl="node1" presStyleIdx="0" presStyleCnt="1" custLinFactNeighborX="1250" custLinFactNeighborY="135"/>
       <dgm:spPr/>
+      <dgm:t>
+        <a:bodyPr/>
+        <a:lstStyle/>
+        <a:p>
+          <a:endParaRPr lang="en-US"/>
+        </a:p>
+      </dgm:t>
     </dgm:pt>
     <dgm:pt modelId="{8197CAA3-4D48-4CFF-9B55-99A6E7FD910F}" type="pres">
       <dgm:prSet presAssocID="{EB419183-4A75-4A2B-87ED-0203D9DD419F}" presName="theList" presStyleCnt="0"/>
@@ -5692,6 +5783,13 @@
         </dgm:presLayoutVars>
       </dgm:prSet>
       <dgm:spPr/>
+      <dgm:t>
+        <a:bodyPr/>
+        <a:lstStyle/>
+        <a:p>
+          <a:endParaRPr lang="en-US"/>
+        </a:p>
+      </dgm:t>
     </dgm:pt>
     <dgm:pt modelId="{EF3C4D21-612E-4679-9CDE-EC0CAF5DB336}" type="pres">
       <dgm:prSet presAssocID="{495E74D8-6E65-49D6-A78B-EBDEFB2CA4AC}" presName="aSpace" presStyleCnt="0"/>
@@ -5704,6 +5802,13 @@
         </dgm:presLayoutVars>
       </dgm:prSet>
       <dgm:spPr/>
+      <dgm:t>
+        <a:bodyPr/>
+        <a:lstStyle/>
+        <a:p>
+          <a:endParaRPr lang="en-US"/>
+        </a:p>
+      </dgm:t>
     </dgm:pt>
     <dgm:pt modelId="{4A227694-5CCE-4896-86C8-289FB46ED7B8}" type="pres">
       <dgm:prSet presAssocID="{7ECD4B53-6E06-4AFD-BA53-F04F1EEB8282}" presName="aSpace" presStyleCnt="0"/>
@@ -5716,6 +5821,13 @@
         </dgm:presLayoutVars>
       </dgm:prSet>
       <dgm:spPr/>
+      <dgm:t>
+        <a:bodyPr/>
+        <a:lstStyle/>
+        <a:p>
+          <a:endParaRPr lang="en-US"/>
+        </a:p>
+      </dgm:t>
     </dgm:pt>
     <dgm:pt modelId="{3EABC2A9-96AE-4AF4-9925-C4CDA214687B}" type="pres">
       <dgm:prSet presAssocID="{76F78B04-69E1-4841-ACFF-17911764F55E}" presName="aSpace" presStyleCnt="0"/>
@@ -5728,6 +5840,13 @@
         </dgm:presLayoutVars>
       </dgm:prSet>
       <dgm:spPr/>
+      <dgm:t>
+        <a:bodyPr/>
+        <a:lstStyle/>
+        <a:p>
+          <a:endParaRPr lang="en-US"/>
+        </a:p>
+      </dgm:t>
     </dgm:pt>
     <dgm:pt modelId="{5A40B926-1085-4418-B052-920DC87D5820}" type="pres">
       <dgm:prSet presAssocID="{8CBC4E2B-B238-4455-9E44-BC120A566AD6}" presName="aSpace" presStyleCnt="0"/>
@@ -5740,6 +5859,13 @@
         </dgm:presLayoutVars>
       </dgm:prSet>
       <dgm:spPr/>
+      <dgm:t>
+        <a:bodyPr/>
+        <a:lstStyle/>
+        <a:p>
+          <a:endParaRPr lang="en-US"/>
+        </a:p>
+      </dgm:t>
     </dgm:pt>
     <dgm:pt modelId="{A3A47C12-C6BE-4CE8-A6AC-BCF09275C6EB}" type="pres">
       <dgm:prSet presAssocID="{7478E75F-7B34-4756-B85C-A6C45E41B9FA}" presName="aSpace" presStyleCnt="0"/>
@@ -5752,6 +5878,13 @@
         </dgm:presLayoutVars>
       </dgm:prSet>
       <dgm:spPr/>
+      <dgm:t>
+        <a:bodyPr/>
+        <a:lstStyle/>
+        <a:p>
+          <a:endParaRPr lang="en-US"/>
+        </a:p>
+      </dgm:t>
     </dgm:pt>
     <dgm:pt modelId="{A550F145-1139-422E-9A48-1F7B6BFE7A3B}" type="pres">
       <dgm:prSet presAssocID="{16F20FE6-D148-46C9-943C-963C1EE3D740}" presName="aSpace" presStyleCnt="0"/>
@@ -5764,6 +5897,13 @@
         </dgm:presLayoutVars>
       </dgm:prSet>
       <dgm:spPr/>
+      <dgm:t>
+        <a:bodyPr/>
+        <a:lstStyle/>
+        <a:p>
+          <a:endParaRPr lang="en-US"/>
+        </a:p>
+      </dgm:t>
     </dgm:pt>
     <dgm:pt modelId="{483E5C0A-618D-4A11-98C1-CBAB028D24DF}" type="pres">
       <dgm:prSet presAssocID="{2EEEB4E0-9653-45BA-93D5-AAE0BF18DFAE}" presName="aSpace" presStyleCnt="0"/>
@@ -5776,6 +5916,13 @@
         </dgm:presLayoutVars>
       </dgm:prSet>
       <dgm:spPr/>
+      <dgm:t>
+        <a:bodyPr/>
+        <a:lstStyle/>
+        <a:p>
+          <a:endParaRPr lang="en-US"/>
+        </a:p>
+      </dgm:t>
     </dgm:pt>
     <dgm:pt modelId="{48B56F02-E2AA-4D93-B530-38A09BF78EEA}" type="pres">
       <dgm:prSet presAssocID="{819D90AC-0EE8-4412-92B6-C665727E36C3}" presName="aSpace" presStyleCnt="0"/>
@@ -5788,6 +5935,13 @@
         </dgm:presLayoutVars>
       </dgm:prSet>
       <dgm:spPr/>
+      <dgm:t>
+        <a:bodyPr/>
+        <a:lstStyle/>
+        <a:p>
+          <a:endParaRPr lang="en-US"/>
+        </a:p>
+      </dgm:t>
     </dgm:pt>
     <dgm:pt modelId="{8FB517C2-CD44-4094-92E4-80C4612B7F21}" type="pres">
       <dgm:prSet presAssocID="{129CF70D-A885-4C17-A029-E7D277F99BF2}" presName="aSpace" presStyleCnt="0"/>
@@ -5800,6 +5954,13 @@
         </dgm:presLayoutVars>
       </dgm:prSet>
       <dgm:spPr/>
+      <dgm:t>
+        <a:bodyPr/>
+        <a:lstStyle/>
+        <a:p>
+          <a:endParaRPr lang="en-US"/>
+        </a:p>
+      </dgm:t>
     </dgm:pt>
     <dgm:pt modelId="{105CFC15-830B-49A1-BE08-F610AD50003E}" type="pres">
       <dgm:prSet presAssocID="{B1F46343-4283-4097-A68D-2963FC3E0170}" presName="aSpace" presStyleCnt="0"/>
@@ -5807,27 +5968,27 @@
     </dgm:pt>
   </dgm:ptLst>
   <dgm:cxnLst>
+    <dgm:cxn modelId="{56A1381B-890F-4BD7-8806-5D3754BE90F2}" type="presOf" srcId="{7ECD4B53-6E06-4AFD-BA53-F04F1EEB8282}" destId="{A4EB1670-6A24-46AC-93B8-EECDA247A26A}" srcOrd="0" destOrd="0" presId="urn:microsoft.com/office/officeart/2005/8/layout/pyramid2"/>
+    <dgm:cxn modelId="{15EAEEE0-4CBA-493F-888A-815C5D806A0D}" type="presOf" srcId="{2EEEB4E0-9653-45BA-93D5-AAE0BF18DFAE}" destId="{18318A82-EF08-4FB1-9F5F-F00F0C780690}" srcOrd="0" destOrd="0" presId="urn:microsoft.com/office/officeart/2005/8/layout/pyramid2"/>
+    <dgm:cxn modelId="{C29FB018-F997-4D92-8D7C-0B9043A4A2A1}" srcId="{EB419183-4A75-4A2B-87ED-0203D9DD419F}" destId="{16F20FE6-D148-46C9-943C-963C1EE3D740}" srcOrd="5" destOrd="0" parTransId="{B3B0F42F-E536-4FA6-8828-B3E1AF112795}" sibTransId="{E0C69031-CC22-44B2-B1D3-5C7ADCD3DD3C}"/>
+    <dgm:cxn modelId="{F244C7AE-76E4-47C7-B147-079DDBF89633}" srcId="{EB419183-4A75-4A2B-87ED-0203D9DD419F}" destId="{7ECD4B53-6E06-4AFD-BA53-F04F1EEB8282}" srcOrd="1" destOrd="0" parTransId="{D389BCA4-079C-4D77-8B5A-0235D0C5C5EB}" sibTransId="{937FF7D3-685E-4647-9DC0-0ABA084A585E}"/>
+    <dgm:cxn modelId="{886C79AE-CEE1-461A-BDE7-EC7EFEC10726}" srcId="{EB419183-4A75-4A2B-87ED-0203D9DD419F}" destId="{819D90AC-0EE8-4412-92B6-C665727E36C3}" srcOrd="7" destOrd="0" parTransId="{8B86C3A3-6187-4312-8343-F222C947C158}" sibTransId="{FFEA4CA0-0EA4-45F6-9F7F-C3376ACA4F2B}"/>
+    <dgm:cxn modelId="{A45F0381-9C4D-4F2D-B142-571F4ACD6597}" srcId="{EB419183-4A75-4A2B-87ED-0203D9DD419F}" destId="{2EEEB4E0-9653-45BA-93D5-AAE0BF18DFAE}" srcOrd="6" destOrd="0" parTransId="{EA49EB6E-B46D-4144-AC89-38876660C5BE}" sibTransId="{9B24B8E7-A3D7-4DB9-9A62-693E047ECA0D}"/>
+    <dgm:cxn modelId="{4052F451-065B-4860-9C5A-A0467DCC9758}" srcId="{EB419183-4A75-4A2B-87ED-0203D9DD419F}" destId="{129CF70D-A885-4C17-A029-E7D277F99BF2}" srcOrd="8" destOrd="0" parTransId="{AC9B5BAB-168E-45D8-8ED7-81DB3B5AD500}" sibTransId="{F5AFCD6A-17A2-4473-BC8E-4F32C64075EB}"/>
+    <dgm:cxn modelId="{56B01CE1-0CE4-4F43-8545-A0F3F5C7481B}" type="presOf" srcId="{819D90AC-0EE8-4412-92B6-C665727E36C3}" destId="{EAB98F97-E3F0-4C15-9B8D-06D344A600FF}" srcOrd="0" destOrd="0" presId="urn:microsoft.com/office/officeart/2005/8/layout/pyramid2"/>
+    <dgm:cxn modelId="{A850A4CE-1EAE-4A0B-9539-110EA1543C3B}" type="presOf" srcId="{16F20FE6-D148-46C9-943C-963C1EE3D740}" destId="{70290927-BBFD-424A-8A84-95769734B762}" srcOrd="0" destOrd="0" presId="urn:microsoft.com/office/officeart/2005/8/layout/pyramid2"/>
+    <dgm:cxn modelId="{9356B93F-F33C-43C1-9622-9B7C3473E6DE}" srcId="{EB419183-4A75-4A2B-87ED-0203D9DD419F}" destId="{B1F46343-4283-4097-A68D-2963FC3E0170}" srcOrd="9" destOrd="0" parTransId="{06AD0478-3AE3-44C0-906C-BBDE6BAD1F74}" sibTransId="{BBE4B2E5-C938-4DFA-9639-B9C100E22685}"/>
+    <dgm:cxn modelId="{E616C71A-9B82-4996-9E9F-91E3F210508E}" srcId="{EB419183-4A75-4A2B-87ED-0203D9DD419F}" destId="{8CBC4E2B-B238-4455-9E44-BC120A566AD6}" srcOrd="3" destOrd="0" parTransId="{51F8CB14-A640-455C-A884-1F99BF82962A}" sibTransId="{9A62E551-9EBA-4602-91FC-83F897FDA487}"/>
+    <dgm:cxn modelId="{80A8C8B0-5CD7-4B71-AEF6-F3C796E648BB}" type="presOf" srcId="{7478E75F-7B34-4756-B85C-A6C45E41B9FA}" destId="{DABDEC18-5D95-45A3-B4D6-612D12FCFAEB}" srcOrd="0" destOrd="0" presId="urn:microsoft.com/office/officeart/2005/8/layout/pyramid2"/>
+    <dgm:cxn modelId="{747B05AE-980F-4922-B1D9-A6E0C8A3B90E}" type="presOf" srcId="{8CBC4E2B-B238-4455-9E44-BC120A566AD6}" destId="{1FA21F14-BEA5-4866-B370-2DB78307687C}" srcOrd="0" destOrd="0" presId="urn:microsoft.com/office/officeart/2005/8/layout/pyramid2"/>
+    <dgm:cxn modelId="{EB641F18-6B52-4703-9FCA-5C5A0430E5A9}" type="presOf" srcId="{129CF70D-A885-4C17-A029-E7D277F99BF2}" destId="{A976F810-473F-4CFB-BC96-12DAA2E8CFE9}" srcOrd="0" destOrd="0" presId="urn:microsoft.com/office/officeart/2005/8/layout/pyramid2"/>
+    <dgm:cxn modelId="{D5CF50FB-EA93-4D8D-B282-4B96EDA6EADB}" type="presOf" srcId="{EB419183-4A75-4A2B-87ED-0203D9DD419F}" destId="{B83FCED0-4EDB-4E97-A2D8-A36E9714A7A9}" srcOrd="0" destOrd="0" presId="urn:microsoft.com/office/officeart/2005/8/layout/pyramid2"/>
+    <dgm:cxn modelId="{25751621-A100-4DB9-9FF8-72420F35C0BC}" srcId="{EB419183-4A75-4A2B-87ED-0203D9DD419F}" destId="{495E74D8-6E65-49D6-A78B-EBDEFB2CA4AC}" srcOrd="0" destOrd="0" parTransId="{E991E214-7348-489C-AB92-377C4398EE5F}" sibTransId="{4F3EBE80-0F4F-4AB5-99E0-7FDA66BD6D88}"/>
+    <dgm:cxn modelId="{E4A09A41-64E5-448C-94B9-F36337650719}" type="presOf" srcId="{B1F46343-4283-4097-A68D-2963FC3E0170}" destId="{B01BE412-852B-4DB2-8C72-FD0181E5DDB6}" srcOrd="0" destOrd="0" presId="urn:microsoft.com/office/officeart/2005/8/layout/pyramid2"/>
+    <dgm:cxn modelId="{1DC9A534-8B58-43D2-8C88-D6AC4C7AE0CF}" srcId="{EB419183-4A75-4A2B-87ED-0203D9DD419F}" destId="{76F78B04-69E1-4841-ACFF-17911764F55E}" srcOrd="2" destOrd="0" parTransId="{5C3916DA-1E31-4C35-BE86-91EE4B58ACFD}" sibTransId="{35D40278-0DC1-42E7-BF84-DFB3AAA9A245}"/>
+    <dgm:cxn modelId="{E2D68560-B4D7-432C-8944-7CDC20947E23}" type="presOf" srcId="{76F78B04-69E1-4841-ACFF-17911764F55E}" destId="{95824A49-5DF4-4E55-AE6C-ACBD69234B7B}" srcOrd="0" destOrd="0" presId="urn:microsoft.com/office/officeart/2005/8/layout/pyramid2"/>
     <dgm:cxn modelId="{C0BD4AC2-E6C9-400F-A96F-CD5AB9076E91}" type="presOf" srcId="{495E74D8-6E65-49D6-A78B-EBDEFB2CA4AC}" destId="{9C0C946B-7AFB-47A1-9A23-4AC138F3BD3B}" srcOrd="0" destOrd="0" presId="urn:microsoft.com/office/officeart/2005/8/layout/pyramid2"/>
-    <dgm:cxn modelId="{4052F451-065B-4860-9C5A-A0467DCC9758}" srcId="{EB419183-4A75-4A2B-87ED-0203D9DD419F}" destId="{129CF70D-A885-4C17-A029-E7D277F99BF2}" srcOrd="8" destOrd="0" parTransId="{AC9B5BAB-168E-45D8-8ED7-81DB3B5AD500}" sibTransId="{F5AFCD6A-17A2-4473-BC8E-4F32C64075EB}"/>
-    <dgm:cxn modelId="{886C79AE-CEE1-461A-BDE7-EC7EFEC10726}" srcId="{EB419183-4A75-4A2B-87ED-0203D9DD419F}" destId="{819D90AC-0EE8-4412-92B6-C665727E36C3}" srcOrd="7" destOrd="0" parTransId="{8B86C3A3-6187-4312-8343-F222C947C158}" sibTransId="{FFEA4CA0-0EA4-45F6-9F7F-C3376ACA4F2B}"/>
-    <dgm:cxn modelId="{C29FB018-F997-4D92-8D7C-0B9043A4A2A1}" srcId="{EB419183-4A75-4A2B-87ED-0203D9DD419F}" destId="{16F20FE6-D148-46C9-943C-963C1EE3D740}" srcOrd="5" destOrd="0" parTransId="{B3B0F42F-E536-4FA6-8828-B3E1AF112795}" sibTransId="{E0C69031-CC22-44B2-B1D3-5C7ADCD3DD3C}"/>
-    <dgm:cxn modelId="{56A1381B-890F-4BD7-8806-5D3754BE90F2}" type="presOf" srcId="{7ECD4B53-6E06-4AFD-BA53-F04F1EEB8282}" destId="{A4EB1670-6A24-46AC-93B8-EECDA247A26A}" srcOrd="0" destOrd="0" presId="urn:microsoft.com/office/officeart/2005/8/layout/pyramid2"/>
-    <dgm:cxn modelId="{9356B93F-F33C-43C1-9622-9B7C3473E6DE}" srcId="{EB419183-4A75-4A2B-87ED-0203D9DD419F}" destId="{B1F46343-4283-4097-A68D-2963FC3E0170}" srcOrd="9" destOrd="0" parTransId="{06AD0478-3AE3-44C0-906C-BBDE6BAD1F74}" sibTransId="{BBE4B2E5-C938-4DFA-9639-B9C100E22685}"/>
-    <dgm:cxn modelId="{1DC9A534-8B58-43D2-8C88-D6AC4C7AE0CF}" srcId="{EB419183-4A75-4A2B-87ED-0203D9DD419F}" destId="{76F78B04-69E1-4841-ACFF-17911764F55E}" srcOrd="2" destOrd="0" parTransId="{5C3916DA-1E31-4C35-BE86-91EE4B58ACFD}" sibTransId="{35D40278-0DC1-42E7-BF84-DFB3AAA9A245}"/>
-    <dgm:cxn modelId="{A45F0381-9C4D-4F2D-B142-571F4ACD6597}" srcId="{EB419183-4A75-4A2B-87ED-0203D9DD419F}" destId="{2EEEB4E0-9653-45BA-93D5-AAE0BF18DFAE}" srcOrd="6" destOrd="0" parTransId="{EA49EB6E-B46D-4144-AC89-38876660C5BE}" sibTransId="{9B24B8E7-A3D7-4DB9-9A62-693E047ECA0D}"/>
-    <dgm:cxn modelId="{80A8C8B0-5CD7-4B71-AEF6-F3C796E648BB}" type="presOf" srcId="{7478E75F-7B34-4756-B85C-A6C45E41B9FA}" destId="{DABDEC18-5D95-45A3-B4D6-612D12FCFAEB}" srcOrd="0" destOrd="0" presId="urn:microsoft.com/office/officeart/2005/8/layout/pyramid2"/>
-    <dgm:cxn modelId="{A850A4CE-1EAE-4A0B-9539-110EA1543C3B}" type="presOf" srcId="{16F20FE6-D148-46C9-943C-963C1EE3D740}" destId="{70290927-BBFD-424A-8A84-95769734B762}" srcOrd="0" destOrd="0" presId="urn:microsoft.com/office/officeart/2005/8/layout/pyramid2"/>
-    <dgm:cxn modelId="{E4A09A41-64E5-448C-94B9-F36337650719}" type="presOf" srcId="{B1F46343-4283-4097-A68D-2963FC3E0170}" destId="{B01BE412-852B-4DB2-8C72-FD0181E5DDB6}" srcOrd="0" destOrd="0" presId="urn:microsoft.com/office/officeart/2005/8/layout/pyramid2"/>
-    <dgm:cxn modelId="{56B01CE1-0CE4-4F43-8545-A0F3F5C7481B}" type="presOf" srcId="{819D90AC-0EE8-4412-92B6-C665727E36C3}" destId="{EAB98F97-E3F0-4C15-9B8D-06D344A600FF}" srcOrd="0" destOrd="0" presId="urn:microsoft.com/office/officeart/2005/8/layout/pyramid2"/>
-    <dgm:cxn modelId="{15EAEEE0-4CBA-493F-888A-815C5D806A0D}" type="presOf" srcId="{2EEEB4E0-9653-45BA-93D5-AAE0BF18DFAE}" destId="{18318A82-EF08-4FB1-9F5F-F00F0C780690}" srcOrd="0" destOrd="0" presId="urn:microsoft.com/office/officeart/2005/8/layout/pyramid2"/>
     <dgm:cxn modelId="{48ABC49A-DA82-4DDE-86E9-6FA8CF00F742}" srcId="{EB419183-4A75-4A2B-87ED-0203D9DD419F}" destId="{7478E75F-7B34-4756-B85C-A6C45E41B9FA}" srcOrd="4" destOrd="0" parTransId="{B7C29C5F-B540-4996-AC96-B30A8C6C4090}" sibTransId="{FCD13F53-2D66-4F02-92A0-8F420EC2A005}"/>
-    <dgm:cxn modelId="{EB641F18-6B52-4703-9FCA-5C5A0430E5A9}" type="presOf" srcId="{129CF70D-A885-4C17-A029-E7D277F99BF2}" destId="{A976F810-473F-4CFB-BC96-12DAA2E8CFE9}" srcOrd="0" destOrd="0" presId="urn:microsoft.com/office/officeart/2005/8/layout/pyramid2"/>
-    <dgm:cxn modelId="{E2D68560-B4D7-432C-8944-7CDC20947E23}" type="presOf" srcId="{76F78B04-69E1-4841-ACFF-17911764F55E}" destId="{95824A49-5DF4-4E55-AE6C-ACBD69234B7B}" srcOrd="0" destOrd="0" presId="urn:microsoft.com/office/officeart/2005/8/layout/pyramid2"/>
-    <dgm:cxn modelId="{E616C71A-9B82-4996-9E9F-91E3F210508E}" srcId="{EB419183-4A75-4A2B-87ED-0203D9DD419F}" destId="{8CBC4E2B-B238-4455-9E44-BC120A566AD6}" srcOrd="3" destOrd="0" parTransId="{51F8CB14-A640-455C-A884-1F99BF82962A}" sibTransId="{9A62E551-9EBA-4602-91FC-83F897FDA487}"/>
-    <dgm:cxn modelId="{D5CF50FB-EA93-4D8D-B282-4B96EDA6EADB}" type="presOf" srcId="{EB419183-4A75-4A2B-87ED-0203D9DD419F}" destId="{B83FCED0-4EDB-4E97-A2D8-A36E9714A7A9}" srcOrd="0" destOrd="0" presId="urn:microsoft.com/office/officeart/2005/8/layout/pyramid2"/>
-    <dgm:cxn modelId="{F244C7AE-76E4-47C7-B147-079DDBF89633}" srcId="{EB419183-4A75-4A2B-87ED-0203D9DD419F}" destId="{7ECD4B53-6E06-4AFD-BA53-F04F1EEB8282}" srcOrd="1" destOrd="0" parTransId="{D389BCA4-079C-4D77-8B5A-0235D0C5C5EB}" sibTransId="{937FF7D3-685E-4647-9DC0-0ABA084A585E}"/>
-    <dgm:cxn modelId="{25751621-A100-4DB9-9FF8-72420F35C0BC}" srcId="{EB419183-4A75-4A2B-87ED-0203D9DD419F}" destId="{495E74D8-6E65-49D6-A78B-EBDEFB2CA4AC}" srcOrd="0" destOrd="0" parTransId="{E991E214-7348-489C-AB92-377C4398EE5F}" sibTransId="{4F3EBE80-0F4F-4AB5-99E0-7FDA66BD6D88}"/>
-    <dgm:cxn modelId="{747B05AE-980F-4922-B1D9-A6E0C8A3B90E}" type="presOf" srcId="{8CBC4E2B-B238-4455-9E44-BC120A566AD6}" destId="{1FA21F14-BEA5-4866-B370-2DB78307687C}" srcOrd="0" destOrd="0" presId="urn:microsoft.com/office/officeart/2005/8/layout/pyramid2"/>
     <dgm:cxn modelId="{B64B12F0-DB2E-4FB6-9F58-FD1E79B1D1C3}" type="presParOf" srcId="{B83FCED0-4EDB-4E97-A2D8-A36E9714A7A9}" destId="{117D0A16-07FC-4061-9412-E8F14F3B6085}" srcOrd="0" destOrd="0" presId="urn:microsoft.com/office/officeart/2005/8/layout/pyramid2"/>
     <dgm:cxn modelId="{0572312E-8DD7-411C-A55E-3A6C1E7A699D}" type="presParOf" srcId="{B83FCED0-4EDB-4E97-A2D8-A36E9714A7A9}" destId="{8197CAA3-4D48-4CFF-9B55-99A6E7FD910F}" srcOrd="1" destOrd="0" presId="urn:microsoft.com/office/officeart/2005/8/layout/pyramid2"/>
     <dgm:cxn modelId="{9D4ACDD2-214E-4876-8572-4F3E41245C6B}" type="presParOf" srcId="{8197CAA3-4D48-4CFF-9B55-99A6E7FD910F}" destId="{9C0C946B-7AFB-47A1-9A23-4AC138F3BD3B}" srcOrd="0" destOrd="0" presId="urn:microsoft.com/office/officeart/2005/8/layout/pyramid2"/>
@@ -21741,33 +21902,63 @@
             <a:pPr lvl="1"/>
             <a:r>
               <a:rPr lang="en-US" dirty="0" smtClean="0"/>
-              <a:t>Movie production genre: comedy</a:t>
+              <a:t>Movie production genre: </a:t>
             </a:r>
             <a:r>
-              <a:rPr lang="en-US" dirty="0"/>
-              <a:t>, Drama</a:t>
+              <a:rPr lang="en-US" dirty="0" smtClean="0"/>
+              <a:t>Drama and </a:t>
             </a:r>
+            <a:r>
+              <a:rPr lang="en-US" dirty="0" err="1"/>
+              <a:t>c</a:t>
+            </a:r>
+            <a:r>
+              <a:rPr lang="en-US" dirty="0" err="1" smtClean="0"/>
+              <a:t>omedy,drama</a:t>
+            </a:r>
+            <a:endParaRPr lang="en-US" dirty="0"/>
           </a:p>
           <a:p>
             <a:pPr lvl="1"/>
             <a:r>
               <a:rPr lang="en-US" dirty="0" smtClean="0"/>
-              <a:t>Reason: most profitable genre according to </a:t>
+              <a:t>Reason: </a:t>
             </a:r>
+            <a:endParaRPr lang="en-US" dirty="0" smtClean="0"/>
+          </a:p>
+          <a:p>
+            <a:pPr lvl="2"/>
             <a:r>
-              <a:rPr lang="en-US" dirty="0" err="1" smtClean="0"/>
-              <a:t>imbd</a:t>
+              <a:rPr lang="en-US" dirty="0" smtClean="0"/>
+              <a:t>Drama - </a:t>
             </a:r>
             <a:r>
               <a:rPr lang="en-US" dirty="0" smtClean="0"/>
-              <a:t> data</a:t>
+              <a:t>most </a:t>
             </a:r>
-            <a:endParaRPr lang="en-US" dirty="0"/>
+            <a:r>
+              <a:rPr lang="en-US" dirty="0" smtClean="0"/>
+              <a:t>profitable </a:t>
+            </a:r>
+            <a:r>
+              <a:rPr lang="en-US" dirty="0" smtClean="0"/>
+              <a:t>genre</a:t>
+            </a:r>
           </a:p>
           <a:p>
-            <a:pPr marL="0" indent="0">
-              <a:buNone/>
-            </a:pPr>
+            <a:pPr lvl="2"/>
+            <a:r>
+              <a:rPr lang="en-US" dirty="0" err="1" smtClean="0"/>
+              <a:t>Comedy,drama</a:t>
+            </a:r>
+            <a:r>
+              <a:rPr lang="en-US" dirty="0" smtClean="0"/>
+              <a:t> – most </a:t>
+            </a:r>
+            <a:r>
+              <a:rPr lang="en-US" smtClean="0"/>
+              <a:t>popular genre</a:t>
+            </a:r>
             <a:endParaRPr lang="en-US" dirty="0"/>
           </a:p>
         </p:txBody>
